--- a/presentations/01_Basic_Concepts.pptx
+++ b/presentations/01_Basic_Concepts.pptx
@@ -87,10 +87,10 @@
         </a:solidFill>
         <a:effectLst/>
         <a:uFillTx/>
-        <a:latin typeface="+mj-lt"/>
-        <a:ea typeface="+mj-ea"/>
-        <a:cs typeface="+mj-cs"/>
-        <a:sym typeface="Helvetica"/>
+        <a:latin typeface="+mn-lt"/>
+        <a:ea typeface="+mn-ea"/>
+        <a:cs typeface="+mn-cs"/>
+        <a:sym typeface="Helvetica Neue"/>
       </a:defRPr>
     </a:lvl1pPr>
     <a:lvl2pPr marL="0" marR="0" indent="0" algn="l" defTabSz="914400" rtl="0" fontAlgn="auto" latinLnBrk="0" hangingPunct="0">
@@ -117,10 +117,10 @@
         </a:solidFill>
         <a:effectLst/>
         <a:uFillTx/>
-        <a:latin typeface="+mj-lt"/>
-        <a:ea typeface="+mj-ea"/>
-        <a:cs typeface="+mj-cs"/>
-        <a:sym typeface="Helvetica"/>
+        <a:latin typeface="+mn-lt"/>
+        <a:ea typeface="+mn-ea"/>
+        <a:cs typeface="+mn-cs"/>
+        <a:sym typeface="Helvetica Neue"/>
       </a:defRPr>
     </a:lvl2pPr>
     <a:lvl3pPr marL="0" marR="0" indent="0" algn="l" defTabSz="914400" rtl="0" fontAlgn="auto" latinLnBrk="0" hangingPunct="0">
@@ -147,10 +147,10 @@
         </a:solidFill>
         <a:effectLst/>
         <a:uFillTx/>
-        <a:latin typeface="+mj-lt"/>
-        <a:ea typeface="+mj-ea"/>
-        <a:cs typeface="+mj-cs"/>
-        <a:sym typeface="Helvetica"/>
+        <a:latin typeface="+mn-lt"/>
+        <a:ea typeface="+mn-ea"/>
+        <a:cs typeface="+mn-cs"/>
+        <a:sym typeface="Helvetica Neue"/>
       </a:defRPr>
     </a:lvl3pPr>
     <a:lvl4pPr marL="0" marR="0" indent="0" algn="l" defTabSz="914400" rtl="0" fontAlgn="auto" latinLnBrk="0" hangingPunct="0">
@@ -177,10 +177,10 @@
         </a:solidFill>
         <a:effectLst/>
         <a:uFillTx/>
-        <a:latin typeface="+mj-lt"/>
-        <a:ea typeface="+mj-ea"/>
-        <a:cs typeface="+mj-cs"/>
-        <a:sym typeface="Helvetica"/>
+        <a:latin typeface="+mn-lt"/>
+        <a:ea typeface="+mn-ea"/>
+        <a:cs typeface="+mn-cs"/>
+        <a:sym typeface="Helvetica Neue"/>
       </a:defRPr>
     </a:lvl4pPr>
     <a:lvl5pPr marL="0" marR="0" indent="0" algn="l" defTabSz="914400" rtl="0" fontAlgn="auto" latinLnBrk="0" hangingPunct="0">
@@ -207,10 +207,10 @@
         </a:solidFill>
         <a:effectLst/>
         <a:uFillTx/>
-        <a:latin typeface="+mj-lt"/>
-        <a:ea typeface="+mj-ea"/>
-        <a:cs typeface="+mj-cs"/>
-        <a:sym typeface="Helvetica"/>
+        <a:latin typeface="+mn-lt"/>
+        <a:ea typeface="+mn-ea"/>
+        <a:cs typeface="+mn-cs"/>
+        <a:sym typeface="Helvetica Neue"/>
       </a:defRPr>
     </a:lvl5pPr>
     <a:lvl6pPr marL="0" marR="0" indent="0" algn="l" defTabSz="914400" rtl="0" fontAlgn="auto" latinLnBrk="0" hangingPunct="0">
@@ -237,10 +237,10 @@
         </a:solidFill>
         <a:effectLst/>
         <a:uFillTx/>
-        <a:latin typeface="+mj-lt"/>
-        <a:ea typeface="+mj-ea"/>
-        <a:cs typeface="+mj-cs"/>
-        <a:sym typeface="Helvetica"/>
+        <a:latin typeface="+mn-lt"/>
+        <a:ea typeface="+mn-ea"/>
+        <a:cs typeface="+mn-cs"/>
+        <a:sym typeface="Helvetica Neue"/>
       </a:defRPr>
     </a:lvl6pPr>
     <a:lvl7pPr marL="0" marR="0" indent="0" algn="l" defTabSz="914400" rtl="0" fontAlgn="auto" latinLnBrk="0" hangingPunct="0">
@@ -267,10 +267,10 @@
         </a:solidFill>
         <a:effectLst/>
         <a:uFillTx/>
-        <a:latin typeface="+mj-lt"/>
-        <a:ea typeface="+mj-ea"/>
-        <a:cs typeface="+mj-cs"/>
-        <a:sym typeface="Helvetica"/>
+        <a:latin typeface="+mn-lt"/>
+        <a:ea typeface="+mn-ea"/>
+        <a:cs typeface="+mn-cs"/>
+        <a:sym typeface="Helvetica Neue"/>
       </a:defRPr>
     </a:lvl7pPr>
     <a:lvl8pPr marL="0" marR="0" indent="0" algn="l" defTabSz="914400" rtl="0" fontAlgn="auto" latinLnBrk="0" hangingPunct="0">
@@ -297,10 +297,10 @@
         </a:solidFill>
         <a:effectLst/>
         <a:uFillTx/>
-        <a:latin typeface="+mj-lt"/>
-        <a:ea typeface="+mj-ea"/>
-        <a:cs typeface="+mj-cs"/>
-        <a:sym typeface="Helvetica"/>
+        <a:latin typeface="+mn-lt"/>
+        <a:ea typeface="+mn-ea"/>
+        <a:cs typeface="+mn-cs"/>
+        <a:sym typeface="Helvetica Neue"/>
       </a:defRPr>
     </a:lvl8pPr>
     <a:lvl9pPr marL="0" marR="0" indent="0" algn="l" defTabSz="914400" rtl="0" fontAlgn="auto" latinLnBrk="0" hangingPunct="0">
@@ -327,10 +327,10 @@
         </a:solidFill>
         <a:effectLst/>
         <a:uFillTx/>
-        <a:latin typeface="+mj-lt"/>
-        <a:ea typeface="+mj-ea"/>
-        <a:cs typeface="+mj-cs"/>
-        <a:sym typeface="Helvetica"/>
+        <a:latin typeface="+mn-lt"/>
+        <a:ea typeface="+mn-ea"/>
+        <a:cs typeface="+mn-cs"/>
+        <a:sym typeface="Helvetica Neue"/>
       </a:defRPr>
     </a:lvl9pPr>
   </p:defaultTextStyle>
@@ -516,7 +516,7 @@
         <p:spPr>
           <a:xfrm>
             <a:off x="685800" y="2111123"/>
-            <a:ext cx="7772400" cy="1546476"/>
+            <a:ext cx="7772400" cy="1546477"/>
           </a:xfrm>
           <a:prstGeom prst="rect">
             <a:avLst/>
@@ -548,7 +548,7 @@
         <p:spPr>
           <a:xfrm>
             <a:off x="685800" y="3786737"/>
-            <a:ext cx="7772400" cy="1046319"/>
+            <a:ext cx="7772400" cy="1046320"/>
           </a:xfrm>
           <a:prstGeom prst="rect">
             <a:avLst/>
@@ -772,7 +772,7 @@
                 <a:sym typeface="Calibri"/>
               </a:defRPr>
             </a:lvl3pPr>
-            <a:lvl4pPr marL="1684865" indent="-237065">
+            <a:lvl4pPr marL="1684864" indent="-237064">
               <a:defRPr sz="2800">
                 <a:latin typeface="Calibri"/>
                 <a:ea typeface="Calibri"/>
@@ -780,7 +780,7 @@
                 <a:sym typeface="Calibri"/>
               </a:defRPr>
             </a:lvl4pPr>
-            <a:lvl5pPr marL="2142065" indent="-237065">
+            <a:lvl5pPr marL="2142064" indent="-237064">
               <a:buChar char="●"/>
               <a:defRPr sz="2800">
                 <a:latin typeface="Calibri"/>
@@ -832,8 +832,8 @@
         </p:nvSpPr>
         <p:spPr>
           <a:xfrm>
-            <a:off x="4648199" y="1600200"/>
-            <a:ext cx="4038600" cy="4525963"/>
+            <a:off x="4648198" y="1600200"/>
+            <a:ext cx="4038601" cy="4525963"/>
           </a:xfrm>
           <a:prstGeom prst="rect">
             <a:avLst/>
@@ -857,15 +857,15 @@
         </p:nvSpPr>
         <p:spPr>
           <a:xfrm>
-            <a:off x="8293484" y="6348796"/>
-            <a:ext cx="393317" cy="380233"/>
+            <a:off x="8293486" y="6348797"/>
+            <a:ext cx="393315" cy="380230"/>
           </a:xfrm>
           <a:prstGeom prst="rect">
             <a:avLst/>
           </a:prstGeom>
         </p:spPr>
         <p:txBody>
-          <a:bodyPr lIns="91423" tIns="91423" rIns="91423" bIns="91423"/>
+          <a:bodyPr lIns="91422" tIns="91422" rIns="91422" bIns="91422"/>
           <a:lstStyle>
             <a:lvl1pPr>
               <a:defRPr sz="1400"/>
@@ -1060,7 +1060,7 @@
         <p:spPr>
           <a:xfrm>
             <a:off x="457198" y="2174875"/>
-            <a:ext cx="4040191" cy="3951288"/>
+            <a:ext cx="4040192" cy="3951288"/>
           </a:xfrm>
           <a:prstGeom prst="rect">
             <a:avLst/>
@@ -1084,8 +1084,8 @@
         </p:nvSpPr>
         <p:spPr>
           <a:xfrm>
-            <a:off x="4645024" y="1535111"/>
-            <a:ext cx="4041775" cy="639765"/>
+            <a:off x="4645023" y="1535111"/>
+            <a:ext cx="4041776" cy="639766"/>
           </a:xfrm>
           <a:prstGeom prst="rect">
             <a:avLst/>
@@ -1109,8 +1109,8 @@
         </p:nvSpPr>
         <p:spPr>
           <a:xfrm>
-            <a:off x="4645024" y="2174875"/>
-            <a:ext cx="4041775" cy="3951288"/>
+            <a:off x="4645023" y="2174875"/>
+            <a:ext cx="4041776" cy="3951288"/>
           </a:xfrm>
           <a:prstGeom prst="rect">
             <a:avLst/>
@@ -1134,15 +1134,15 @@
         </p:nvSpPr>
         <p:spPr>
           <a:xfrm>
-            <a:off x="8293484" y="6348796"/>
-            <a:ext cx="393317" cy="380233"/>
+            <a:off x="8293486" y="6348797"/>
+            <a:ext cx="393315" cy="380230"/>
           </a:xfrm>
           <a:prstGeom prst="rect">
             <a:avLst/>
           </a:prstGeom>
         </p:spPr>
         <p:txBody>
-          <a:bodyPr lIns="91423" tIns="91423" rIns="91423" bIns="91423"/>
+          <a:bodyPr lIns="91422" tIns="91422" rIns="91422" bIns="91422"/>
           <a:lstStyle>
             <a:lvl1pPr>
               <a:defRPr sz="1400"/>
@@ -1223,15 +1223,15 @@
         </p:nvSpPr>
         <p:spPr>
           <a:xfrm>
-            <a:off x="8293484" y="6348796"/>
-            <a:ext cx="393317" cy="380233"/>
+            <a:off x="8293486" y="6348797"/>
+            <a:ext cx="393315" cy="380230"/>
           </a:xfrm>
           <a:prstGeom prst="rect">
             <a:avLst/>
           </a:prstGeom>
         </p:spPr>
         <p:txBody>
-          <a:bodyPr lIns="91423" tIns="91423" rIns="91423" bIns="91423"/>
+          <a:bodyPr lIns="91422" tIns="91422" rIns="91422" bIns="91422"/>
           <a:lstStyle>
             <a:lvl1pPr>
               <a:defRPr sz="1400"/>
@@ -1279,15 +1279,15 @@
         </p:nvSpPr>
         <p:spPr>
           <a:xfrm>
-            <a:off x="8293484" y="6348796"/>
-            <a:ext cx="393317" cy="380233"/>
+            <a:off x="8293486" y="6348797"/>
+            <a:ext cx="393315" cy="380230"/>
           </a:xfrm>
           <a:prstGeom prst="rect">
             <a:avLst/>
           </a:prstGeom>
         </p:spPr>
         <p:txBody>
-          <a:bodyPr lIns="91423" tIns="91423" rIns="91423" bIns="91423"/>
+          <a:bodyPr lIns="91422" tIns="91422" rIns="91422" bIns="91422"/>
           <a:lstStyle>
             <a:lvl1pPr>
               <a:defRPr sz="1400"/>
@@ -1336,7 +1336,7 @@
         <p:spPr>
           <a:xfrm>
             <a:off x="457200" y="273050"/>
-            <a:ext cx="3008315" cy="1162050"/>
+            <a:ext cx="3008316" cy="1162050"/>
           </a:xfrm>
           <a:prstGeom prst="rect">
             <a:avLst/>
@@ -1469,7 +1469,7 @@
         <p:spPr>
           <a:xfrm>
             <a:off x="457198" y="1435100"/>
-            <a:ext cx="3008316" cy="4691063"/>
+            <a:ext cx="3008317" cy="4691063"/>
           </a:xfrm>
           <a:prstGeom prst="rect">
             <a:avLst/>
@@ -1493,15 +1493,15 @@
         </p:nvSpPr>
         <p:spPr>
           <a:xfrm>
-            <a:off x="8293484" y="6348796"/>
-            <a:ext cx="393317" cy="380233"/>
+            <a:off x="8293486" y="6348797"/>
+            <a:ext cx="393315" cy="380230"/>
           </a:xfrm>
           <a:prstGeom prst="rect">
             <a:avLst/>
           </a:prstGeom>
         </p:spPr>
         <p:txBody>
-          <a:bodyPr lIns="91423" tIns="91423" rIns="91423" bIns="91423"/>
+          <a:bodyPr lIns="91422" tIns="91422" rIns="91422" bIns="91422"/>
           <a:lstStyle>
             <a:lvl1pPr>
               <a:defRPr sz="1400"/>
@@ -1614,7 +1614,7 @@
         <p:spPr>
           <a:xfrm>
             <a:off x="1792288" y="5367337"/>
-            <a:ext cx="5486399" cy="804863"/>
+            <a:ext cx="5486399" cy="804864"/>
           </a:xfrm>
           <a:prstGeom prst="rect">
             <a:avLst/>
@@ -1726,15 +1726,15 @@
         </p:nvSpPr>
         <p:spPr>
           <a:xfrm>
-            <a:off x="8293484" y="6348796"/>
-            <a:ext cx="393317" cy="380233"/>
+            <a:off x="8293486" y="6348797"/>
+            <a:ext cx="393315" cy="380230"/>
           </a:xfrm>
           <a:prstGeom prst="rect">
             <a:avLst/>
           </a:prstGeom>
         </p:spPr>
         <p:txBody>
-          <a:bodyPr lIns="91423" tIns="91423" rIns="91423" bIns="91423"/>
+          <a:bodyPr lIns="91422" tIns="91422" rIns="91422" bIns="91422"/>
           <a:lstStyle>
             <a:lvl1pPr>
               <a:defRPr sz="1400"/>
@@ -1926,15 +1926,15 @@
         </p:nvSpPr>
         <p:spPr>
           <a:xfrm>
-            <a:off x="8293484" y="6348796"/>
-            <a:ext cx="393317" cy="380233"/>
+            <a:off x="8293486" y="6348797"/>
+            <a:ext cx="393315" cy="380230"/>
           </a:xfrm>
           <a:prstGeom prst="rect">
             <a:avLst/>
           </a:prstGeom>
         </p:spPr>
         <p:txBody>
-          <a:bodyPr lIns="91423" tIns="91423" rIns="91423" bIns="91423"/>
+          <a:bodyPr lIns="91422" tIns="91422" rIns="91422" bIns="91422"/>
           <a:lstStyle>
             <a:lvl1pPr>
               <a:defRPr sz="1400"/>
@@ -1983,7 +1983,7 @@
         <p:spPr>
           <a:xfrm rot="5400000">
             <a:off x="4732337" y="2171700"/>
-            <a:ext cx="5851527" cy="2057400"/>
+            <a:ext cx="5851528" cy="2057400"/>
           </a:xfrm>
           <a:prstGeom prst="rect">
             <a:avLst/>
@@ -2130,15 +2130,15 @@
         </p:nvSpPr>
         <p:spPr>
           <a:xfrm>
-            <a:off x="8293484" y="6348796"/>
-            <a:ext cx="393317" cy="380233"/>
+            <a:off x="8293486" y="6348797"/>
+            <a:ext cx="393315" cy="380230"/>
           </a:xfrm>
           <a:prstGeom prst="rect">
             <a:avLst/>
           </a:prstGeom>
         </p:spPr>
         <p:txBody>
-          <a:bodyPr lIns="91423" tIns="91423" rIns="91423" bIns="91423"/>
+          <a:bodyPr lIns="91422" tIns="91422" rIns="91422" bIns="91422"/>
           <a:lstStyle>
             <a:lvl1pPr>
               <a:defRPr sz="1400"/>
@@ -2383,7 +2383,7 @@
         <p:spPr>
           <a:xfrm>
             <a:off x="4692272" y="1600200"/>
-            <a:ext cx="3994528" cy="4967574"/>
+            <a:ext cx="3994529" cy="4967574"/>
           </a:xfrm>
           <a:prstGeom prst="rect">
             <a:avLst/>
@@ -2528,7 +2528,7 @@
         <p:spPr>
           <a:xfrm>
             <a:off x="457200" y="5875077"/>
-            <a:ext cx="8229600" cy="692695"/>
+            <a:ext cx="8229600" cy="692696"/>
           </a:xfrm>
           <a:prstGeom prst="rect">
             <a:avLst/>
@@ -2886,15 +2886,15 @@
         </p:nvSpPr>
         <p:spPr>
           <a:xfrm>
-            <a:off x="8293484" y="6348796"/>
-            <a:ext cx="393317" cy="380233"/>
+            <a:off x="8293486" y="6348797"/>
+            <a:ext cx="393315" cy="380230"/>
           </a:xfrm>
           <a:prstGeom prst="rect">
             <a:avLst/>
           </a:prstGeom>
         </p:spPr>
         <p:txBody>
-          <a:bodyPr lIns="91423" tIns="91423" rIns="91423" bIns="91423"/>
+          <a:bodyPr lIns="91422" tIns="91422" rIns="91422" bIns="91422"/>
           <a:lstStyle>
             <a:lvl1pPr>
               <a:defRPr sz="1400"/>
@@ -3086,15 +3086,15 @@
         </p:nvSpPr>
         <p:spPr>
           <a:xfrm>
-            <a:off x="8293484" y="6348796"/>
-            <a:ext cx="393317" cy="380233"/>
+            <a:off x="8293486" y="6348797"/>
+            <a:ext cx="393315" cy="380230"/>
           </a:xfrm>
           <a:prstGeom prst="rect">
             <a:avLst/>
           </a:prstGeom>
         </p:spPr>
         <p:txBody>
-          <a:bodyPr lIns="91423" tIns="91423" rIns="91423" bIns="91423"/>
+          <a:bodyPr lIns="91422" tIns="91422" rIns="91422" bIns="91422"/>
           <a:lstStyle>
             <a:lvl1pPr>
               <a:defRPr sz="1400"/>
@@ -3180,7 +3180,7 @@
         <p:spPr>
           <a:xfrm>
             <a:off x="722312" y="2906713"/>
-            <a:ext cx="7772401" cy="1500189"/>
+            <a:ext cx="7772401" cy="1500190"/>
           </a:xfrm>
           <a:prstGeom prst="rect">
             <a:avLst/>
@@ -3307,15 +3307,15 @@
         </p:nvSpPr>
         <p:spPr>
           <a:xfrm>
-            <a:off x="8293484" y="6348796"/>
-            <a:ext cx="393317" cy="380233"/>
+            <a:off x="8293486" y="6348797"/>
+            <a:ext cx="393315" cy="380230"/>
           </a:xfrm>
           <a:prstGeom prst="rect">
             <a:avLst/>
           </a:prstGeom>
         </p:spPr>
         <p:txBody>
-          <a:bodyPr lIns="91423" tIns="91423" rIns="91423" bIns="91423"/>
+          <a:bodyPr lIns="91422" tIns="91422" rIns="91422" bIns="91422"/>
           <a:lstStyle>
             <a:lvl1pPr>
               <a:defRPr sz="1400"/>
@@ -3371,7 +3371,7 @@
         <p:spPr>
           <a:xfrm>
             <a:off x="457200" y="274635"/>
-            <a:ext cx="8229600" cy="1143002"/>
+            <a:ext cx="8229600" cy="1143003"/>
           </a:xfrm>
           <a:prstGeom prst="rect">
             <a:avLst/>
@@ -3386,7 +3386,7 @@
           </a:extLst>
         </p:spPr>
         <p:txBody>
-          <a:bodyPr lIns="91423" tIns="91423" rIns="91423" bIns="91423" anchor="b">
+          <a:bodyPr lIns="91422" tIns="91422" rIns="91422" bIns="91422" anchor="b">
             <a:normAutofit fontScale="100000" lnSpcReduction="0"/>
           </a:bodyPr>
           <a:lstStyle/>
@@ -3424,7 +3424,7 @@
           </a:extLst>
         </p:spPr>
         <p:txBody>
-          <a:bodyPr lIns="91423" tIns="91423" rIns="91423" bIns="91423">
+          <a:bodyPr lIns="91422" tIns="91422" rIns="91422" bIns="91422">
             <a:normAutofit fontScale="100000" lnSpcReduction="0"/>
           </a:bodyPr>
           <a:lstStyle/>
@@ -3470,8 +3470,8 @@
         </p:nvSpPr>
         <p:spPr>
           <a:xfrm>
-            <a:off x="6279546" y="6224224"/>
-            <a:ext cx="273654" cy="264253"/>
+            <a:off x="6279548" y="6224225"/>
+            <a:ext cx="273653" cy="264251"/>
           </a:xfrm>
           <a:prstGeom prst="rect">
             <a:avLst/>
@@ -4386,8 +4386,8 @@
         </p:nvSpPr>
         <p:spPr>
           <a:xfrm>
-            <a:off x="1371598" y="3886200"/>
-            <a:ext cx="6400803" cy="1752600"/>
+            <a:off x="1371597" y="3886200"/>
+            <a:ext cx="6400805" cy="1752600"/>
           </a:xfrm>
           <a:prstGeom prst="rect">
             <a:avLst/>
@@ -4424,7 +4424,7 @@
         <p:spPr>
           <a:xfrm>
             <a:off x="-12710" y="0"/>
-            <a:ext cx="9193224" cy="6858000"/>
+            <a:ext cx="9193225" cy="6858000"/>
           </a:xfrm>
           <a:prstGeom prst="rect">
             <a:avLst/>
@@ -4443,7 +4443,7 @@
         <p:spPr>
           <a:xfrm>
             <a:off x="1218850" y="2345150"/>
-            <a:ext cx="5893800" cy="2024349"/>
+            <a:ext cx="5893800" cy="2024347"/>
           </a:xfrm>
           <a:prstGeom prst="rect">
             <a:avLst/>
@@ -4458,7 +4458,7 @@
           </a:extLst>
         </p:spPr>
         <p:txBody>
-          <a:bodyPr lIns="91423" tIns="91423" rIns="91423" bIns="91423">
+          <a:bodyPr lIns="91422" tIns="91422" rIns="91422" bIns="91422">
             <a:spAutoFit/>
           </a:bodyPr>
           <a:lstStyle/>
@@ -4475,7 +4475,7 @@
               </a:defRPr>
             </a:pPr>
             <a:r>
-              <a:t>Angular Школа</a:t>
+              <a:t>TypeScript Flow</a:t>
             </a:r>
           </a:p>
           <a:p>
@@ -4554,7 +4554,7 @@
         <p:spPr>
           <a:xfrm>
             <a:off x="-1902" y="-3963"/>
-            <a:ext cx="9144001" cy="6861964"/>
+            <a:ext cx="9144001" cy="6861965"/>
           </a:xfrm>
           <a:prstGeom prst="rect">
             <a:avLst/>
@@ -4573,7 +4573,7 @@
         <p:spPr>
           <a:xfrm>
             <a:off x="89799" y="1168100"/>
-            <a:ext cx="7666202" cy="538449"/>
+            <a:ext cx="7666202" cy="538447"/>
           </a:xfrm>
           <a:prstGeom prst="rect">
             <a:avLst/>
@@ -4588,7 +4588,7 @@
           </a:extLst>
         </p:spPr>
         <p:txBody>
-          <a:bodyPr lIns="91423" tIns="91423" rIns="91423" bIns="91423">
+          <a:bodyPr lIns="91422" tIns="91422" rIns="91422" bIns="91422">
             <a:spAutoFit/>
           </a:bodyPr>
           <a:lstStyle>
@@ -4627,8 +4627,8 @@
         </p:blipFill>
         <p:spPr>
           <a:xfrm>
-            <a:off x="914437" y="2141891"/>
-            <a:ext cx="7315127" cy="3703284"/>
+            <a:off x="914437" y="2141890"/>
+            <a:ext cx="7315128" cy="3703285"/>
           </a:xfrm>
           <a:prstGeom prst="rect">
             <a:avLst/>
@@ -4683,7 +4683,7 @@
         <p:spPr>
           <a:xfrm>
             <a:off x="-1902" y="-3963"/>
-            <a:ext cx="9144001" cy="6861964"/>
+            <a:ext cx="9144001" cy="6861965"/>
           </a:xfrm>
           <a:prstGeom prst="rect">
             <a:avLst/>
@@ -4701,8 +4701,8 @@
         </p:nvSpPr>
         <p:spPr>
           <a:xfrm>
-            <a:off x="89799" y="1168099"/>
-            <a:ext cx="7666202" cy="2659349"/>
+            <a:off x="89799" y="1168098"/>
+            <a:ext cx="7666202" cy="2659347"/>
           </a:xfrm>
           <a:prstGeom prst="rect">
             <a:avLst/>
@@ -4717,7 +4717,7 @@
           </a:extLst>
         </p:spPr>
         <p:txBody>
-          <a:bodyPr lIns="91423" tIns="91423" rIns="91423" bIns="91423">
+          <a:bodyPr lIns="91422" tIns="91422" rIns="91422" bIns="91422">
             <a:spAutoFit/>
           </a:bodyPr>
           <a:lstStyle/>
@@ -4839,7 +4839,7 @@
         <p:spPr>
           <a:xfrm>
             <a:off x="-1902" y="-3963"/>
-            <a:ext cx="9144001" cy="6861964"/>
+            <a:ext cx="9144001" cy="6861965"/>
           </a:xfrm>
           <a:prstGeom prst="rect">
             <a:avLst/>
@@ -4858,7 +4858,7 @@
         <p:spPr>
           <a:xfrm>
             <a:off x="89799" y="1168099"/>
-            <a:ext cx="7666202" cy="2367249"/>
+            <a:ext cx="7666202" cy="2367247"/>
           </a:xfrm>
           <a:prstGeom prst="rect">
             <a:avLst/>
@@ -4873,7 +4873,7 @@
           </a:extLst>
         </p:spPr>
         <p:txBody>
-          <a:bodyPr lIns="91423" tIns="91423" rIns="91423" bIns="91423">
+          <a:bodyPr lIns="91422" tIns="91422" rIns="91422" bIns="91422">
             <a:spAutoFit/>
           </a:bodyPr>
           <a:lstStyle/>
@@ -4968,8 +4968,8 @@
         </p:blipFill>
         <p:spPr>
           <a:xfrm>
-            <a:off x="0" y="3919933"/>
-            <a:ext cx="9144000" cy="1583534"/>
+            <a:off x="0" y="3919932"/>
+            <a:ext cx="9144000" cy="1583535"/>
           </a:xfrm>
           <a:prstGeom prst="rect">
             <a:avLst/>
@@ -5024,7 +5024,7 @@
         <p:spPr>
           <a:xfrm>
             <a:off x="-1902" y="-3963"/>
-            <a:ext cx="9144001" cy="6861964"/>
+            <a:ext cx="9144001" cy="6861965"/>
           </a:xfrm>
           <a:prstGeom prst="rect">
             <a:avLst/>
@@ -5042,8 +5042,8 @@
         </p:nvSpPr>
         <p:spPr>
           <a:xfrm>
-            <a:off x="89799" y="1168099"/>
-            <a:ext cx="7666202" cy="1490949"/>
+            <a:off x="89799" y="1168098"/>
+            <a:ext cx="7666202" cy="1490947"/>
           </a:xfrm>
           <a:prstGeom prst="rect">
             <a:avLst/>
@@ -5058,7 +5058,7 @@
           </a:extLst>
         </p:spPr>
         <p:txBody>
-          <a:bodyPr lIns="91423" tIns="91423" rIns="91423" bIns="91423">
+          <a:bodyPr lIns="91422" tIns="91422" rIns="91422" bIns="91422">
             <a:spAutoFit/>
           </a:bodyPr>
           <a:lstStyle/>
@@ -5122,7 +5122,7 @@
         <p:spPr>
           <a:xfrm>
             <a:off x="738898" y="2922871"/>
-            <a:ext cx="7666203" cy="3093380"/>
+            <a:ext cx="7666204" cy="3093380"/>
           </a:xfrm>
           <a:prstGeom prst="rect">
             <a:avLst/>
@@ -5177,7 +5177,7 @@
         <p:spPr>
           <a:xfrm>
             <a:off x="-1902" y="-3963"/>
-            <a:ext cx="9144001" cy="6861964"/>
+            <a:ext cx="9144001" cy="6861965"/>
           </a:xfrm>
           <a:prstGeom prst="rect">
             <a:avLst/>
@@ -5195,8 +5195,8 @@
         </p:nvSpPr>
         <p:spPr>
           <a:xfrm>
-            <a:off x="89799" y="1168099"/>
-            <a:ext cx="7666202" cy="1490949"/>
+            <a:off x="89799" y="1168098"/>
+            <a:ext cx="7666202" cy="1490947"/>
           </a:xfrm>
           <a:prstGeom prst="rect">
             <a:avLst/>
@@ -5211,7 +5211,7 @@
           </a:extLst>
         </p:spPr>
         <p:txBody>
-          <a:bodyPr lIns="91423" tIns="91423" rIns="91423" bIns="91423">
+          <a:bodyPr lIns="91422" tIns="91422" rIns="91422" bIns="91422">
             <a:spAutoFit/>
           </a:bodyPr>
           <a:lstStyle/>
@@ -5330,7 +5330,7 @@
         <p:spPr>
           <a:xfrm>
             <a:off x="-1902" y="-3963"/>
-            <a:ext cx="9144001" cy="6861964"/>
+            <a:ext cx="9144001" cy="6861965"/>
           </a:xfrm>
           <a:prstGeom prst="rect">
             <a:avLst/>
@@ -5349,7 +5349,7 @@
         <p:spPr>
           <a:xfrm>
             <a:off x="89799" y="1168099"/>
-            <a:ext cx="7666202" cy="2367249"/>
+            <a:ext cx="7666202" cy="2367247"/>
           </a:xfrm>
           <a:prstGeom prst="rect">
             <a:avLst/>
@@ -5364,7 +5364,7 @@
           </a:extLst>
         </p:spPr>
         <p:txBody>
-          <a:bodyPr lIns="91423" tIns="91423" rIns="91423" bIns="91423">
+          <a:bodyPr lIns="91422" tIns="91422" rIns="91422" bIns="91422">
             <a:spAutoFit/>
           </a:bodyPr>
           <a:lstStyle/>
@@ -5443,8 +5443,8 @@
         </p:blipFill>
         <p:spPr>
           <a:xfrm>
-            <a:off x="1904534" y="3411442"/>
-            <a:ext cx="5061300" cy="3134691"/>
+            <a:off x="1904533" y="3411442"/>
+            <a:ext cx="5061301" cy="3134692"/>
           </a:xfrm>
           <a:prstGeom prst="rect">
             <a:avLst/>
@@ -5499,7 +5499,7 @@
         <p:spPr>
           <a:xfrm>
             <a:off x="-1902" y="-3963"/>
-            <a:ext cx="9144001" cy="6861964"/>
+            <a:ext cx="9144001" cy="6861965"/>
           </a:xfrm>
           <a:prstGeom prst="rect">
             <a:avLst/>
@@ -5517,8 +5517,8 @@
         </p:nvSpPr>
         <p:spPr>
           <a:xfrm>
-            <a:off x="89799" y="1168099"/>
-            <a:ext cx="7666202" cy="2075149"/>
+            <a:off x="89799" y="1168098"/>
+            <a:ext cx="7666202" cy="2075147"/>
           </a:xfrm>
           <a:prstGeom prst="rect">
             <a:avLst/>
@@ -5533,7 +5533,7 @@
           </a:extLst>
         </p:spPr>
         <p:txBody>
-          <a:bodyPr lIns="91423" tIns="91423" rIns="91423" bIns="91423">
+          <a:bodyPr lIns="91422" tIns="91422" rIns="91422" bIns="91422">
             <a:spAutoFit/>
           </a:bodyPr>
           <a:lstStyle/>
@@ -5629,7 +5629,7 @@
         <p:spPr>
           <a:xfrm>
             <a:off x="548827" y="3472965"/>
-            <a:ext cx="8046345" cy="2469397"/>
+            <a:ext cx="8046346" cy="2469398"/>
           </a:xfrm>
           <a:prstGeom prst="rect">
             <a:avLst/>
@@ -5684,7 +5684,7 @@
         <p:spPr>
           <a:xfrm>
             <a:off x="-1902" y="-3963"/>
-            <a:ext cx="9144001" cy="6861964"/>
+            <a:ext cx="9144001" cy="6861965"/>
           </a:xfrm>
           <a:prstGeom prst="rect">
             <a:avLst/>
@@ -5702,8 +5702,8 @@
         </p:nvSpPr>
         <p:spPr>
           <a:xfrm>
-            <a:off x="89799" y="1168099"/>
-            <a:ext cx="7666202" cy="1783049"/>
+            <a:off x="89799" y="1168098"/>
+            <a:ext cx="7666202" cy="1783047"/>
           </a:xfrm>
           <a:prstGeom prst="rect">
             <a:avLst/>
@@ -5718,7 +5718,7 @@
           </a:extLst>
         </p:spPr>
         <p:txBody>
-          <a:bodyPr lIns="91423" tIns="91423" rIns="91423" bIns="91423">
+          <a:bodyPr lIns="91422" tIns="91422" rIns="91422" bIns="91422">
             <a:spAutoFit/>
           </a:bodyPr>
           <a:lstStyle/>
@@ -5837,7 +5837,7 @@
         <p:spPr>
           <a:xfrm>
             <a:off x="-1902" y="-3963"/>
-            <a:ext cx="9144001" cy="6861964"/>
+            <a:ext cx="9144001" cy="6861965"/>
           </a:xfrm>
           <a:prstGeom prst="rect">
             <a:avLst/>
@@ -5855,8 +5855,8 @@
         </p:nvSpPr>
         <p:spPr>
           <a:xfrm>
-            <a:off x="89799" y="1168099"/>
-            <a:ext cx="7666202" cy="1490949"/>
+            <a:off x="89799" y="1168098"/>
+            <a:ext cx="7666202" cy="1490947"/>
           </a:xfrm>
           <a:prstGeom prst="rect">
             <a:avLst/>
@@ -5871,7 +5871,7 @@
           </a:extLst>
         </p:spPr>
         <p:txBody>
-          <a:bodyPr lIns="91423" tIns="91423" rIns="91423" bIns="91423">
+          <a:bodyPr lIns="91422" tIns="91422" rIns="91422" bIns="91422">
             <a:spAutoFit/>
           </a:bodyPr>
           <a:lstStyle/>
@@ -5934,8 +5934,8 @@
         </p:blipFill>
         <p:spPr>
           <a:xfrm>
-            <a:off x="629398" y="3078871"/>
-            <a:ext cx="7885203" cy="2619964"/>
+            <a:off x="629398" y="3078870"/>
+            <a:ext cx="7885204" cy="2619965"/>
           </a:xfrm>
           <a:prstGeom prst="rect">
             <a:avLst/>
@@ -5990,7 +5990,7 @@
         <p:spPr>
           <a:xfrm>
             <a:off x="-1902" y="-3963"/>
-            <a:ext cx="9144001" cy="6861964"/>
+            <a:ext cx="9144001" cy="6861965"/>
           </a:xfrm>
           <a:prstGeom prst="rect">
             <a:avLst/>
@@ -6009,7 +6009,7 @@
         <p:spPr>
           <a:xfrm>
             <a:off x="89799" y="1168099"/>
-            <a:ext cx="8142635" cy="2379949"/>
+            <a:ext cx="8142635" cy="2379947"/>
           </a:xfrm>
           <a:prstGeom prst="rect">
             <a:avLst/>
@@ -6024,7 +6024,7 @@
           </a:extLst>
         </p:spPr>
         <p:txBody>
-          <a:bodyPr lIns="91423" tIns="91423" rIns="91423" bIns="91423">
+          <a:bodyPr lIns="91422" tIns="91422" rIns="91422" bIns="91422">
             <a:spAutoFit/>
           </a:bodyPr>
           <a:lstStyle/>
@@ -6103,8 +6103,8 @@
         </p:blipFill>
         <p:spPr>
           <a:xfrm>
-            <a:off x="705334" y="3185473"/>
-            <a:ext cx="7733332" cy="2975346"/>
+            <a:off x="705333" y="3185473"/>
+            <a:ext cx="7733333" cy="2975346"/>
           </a:xfrm>
           <a:prstGeom prst="rect">
             <a:avLst/>
@@ -6159,7 +6159,7 @@
         <p:spPr>
           <a:xfrm>
             <a:off x="-1902" y="-3963"/>
-            <a:ext cx="9144001" cy="6861963"/>
+            <a:ext cx="9144001" cy="6861964"/>
           </a:xfrm>
           <a:prstGeom prst="rect">
             <a:avLst/>
@@ -6178,7 +6178,7 @@
         <p:spPr>
           <a:xfrm>
             <a:off x="953675" y="1276224"/>
-            <a:ext cx="7587299" cy="4183349"/>
+            <a:ext cx="7587299" cy="4183347"/>
           </a:xfrm>
           <a:prstGeom prst="rect">
             <a:avLst/>
@@ -6193,7 +6193,7 @@
           </a:extLst>
         </p:spPr>
         <p:txBody>
-          <a:bodyPr lIns="91423" tIns="91423" rIns="91423" bIns="91423">
+          <a:bodyPr lIns="91422" tIns="91422" rIns="91422" bIns="91422">
             <a:spAutoFit/>
           </a:bodyPr>
           <a:lstStyle/>
@@ -6405,7 +6405,7 @@
         <p:spPr>
           <a:xfrm>
             <a:off x="5626325" y="1276212"/>
-            <a:ext cx="2914652" cy="2809876"/>
+            <a:ext cx="2914653" cy="2809876"/>
           </a:xfrm>
           <a:prstGeom prst="rect">
             <a:avLst/>
@@ -6459,8 +6459,8 @@
         </p:blipFill>
         <p:spPr>
           <a:xfrm>
-            <a:off x="-2" y="-1982"/>
-            <a:ext cx="9144002" cy="6861963"/>
+            <a:off x="-3" y="-1982"/>
+            <a:ext cx="9144004" cy="6861964"/>
           </a:xfrm>
           <a:prstGeom prst="rect">
             <a:avLst/>
@@ -6478,8 +6478,8 @@
         </p:nvSpPr>
         <p:spPr>
           <a:xfrm>
-            <a:off x="89799" y="1168099"/>
-            <a:ext cx="8142635" cy="1643349"/>
+            <a:off x="89799" y="1168098"/>
+            <a:ext cx="8142635" cy="1643347"/>
           </a:xfrm>
           <a:prstGeom prst="rect">
             <a:avLst/>
@@ -6494,7 +6494,7 @@
           </a:extLst>
         </p:spPr>
         <p:txBody>
-          <a:bodyPr lIns="91423" tIns="91423" rIns="91423" bIns="91423">
+          <a:bodyPr lIns="91422" tIns="91422" rIns="91422" bIns="91422">
             <a:spAutoFit/>
           </a:bodyPr>
           <a:lstStyle/>
@@ -6558,7 +6558,7 @@
         <p:spPr>
           <a:xfrm>
             <a:off x="462963" y="2928672"/>
-            <a:ext cx="8218075" cy="3272898"/>
+            <a:ext cx="8218076" cy="3272898"/>
           </a:xfrm>
           <a:prstGeom prst="rect">
             <a:avLst/>
@@ -6612,8 +6612,8 @@
         </p:blipFill>
         <p:spPr>
           <a:xfrm>
-            <a:off x="-2" y="-1982"/>
-            <a:ext cx="9144002" cy="6861963"/>
+            <a:off x="-3" y="-1982"/>
+            <a:ext cx="9144004" cy="6861964"/>
           </a:xfrm>
           <a:prstGeom prst="rect">
             <a:avLst/>
@@ -6631,8 +6631,8 @@
         </p:nvSpPr>
         <p:spPr>
           <a:xfrm>
-            <a:off x="89799" y="1168099"/>
-            <a:ext cx="8142635" cy="1643349"/>
+            <a:off x="89799" y="1168098"/>
+            <a:ext cx="8142635" cy="1643347"/>
           </a:xfrm>
           <a:prstGeom prst="rect">
             <a:avLst/>
@@ -6647,7 +6647,7 @@
           </a:extLst>
         </p:spPr>
         <p:txBody>
-          <a:bodyPr lIns="91423" tIns="91423" rIns="91423" bIns="91423">
+          <a:bodyPr lIns="91422" tIns="91422" rIns="91422" bIns="91422">
             <a:spAutoFit/>
           </a:bodyPr>
           <a:lstStyle/>
@@ -6765,8 +6765,8 @@
         </p:blipFill>
         <p:spPr>
           <a:xfrm>
-            <a:off x="-2" y="-1982"/>
-            <a:ext cx="9144002" cy="6861963"/>
+            <a:off x="-3" y="-1982"/>
+            <a:ext cx="9144004" cy="6861964"/>
           </a:xfrm>
           <a:prstGeom prst="rect">
             <a:avLst/>
@@ -6784,8 +6784,8 @@
         </p:nvSpPr>
         <p:spPr>
           <a:xfrm>
-            <a:off x="89799" y="1168099"/>
-            <a:ext cx="8142635" cy="2011649"/>
+            <a:off x="89799" y="1168098"/>
+            <a:ext cx="8142635" cy="2011647"/>
           </a:xfrm>
           <a:prstGeom prst="rect">
             <a:avLst/>
@@ -6800,7 +6800,7 @@
           </a:extLst>
         </p:spPr>
         <p:txBody>
-          <a:bodyPr lIns="91423" tIns="91423" rIns="91423" bIns="91423">
+          <a:bodyPr lIns="91422" tIns="91422" rIns="91422" bIns="91422">
             <a:spAutoFit/>
           </a:bodyPr>
           <a:lstStyle/>
@@ -6880,7 +6880,7 @@
         <p:spPr>
           <a:xfrm>
             <a:off x="500683" y="3625627"/>
-            <a:ext cx="8142634" cy="1915170"/>
+            <a:ext cx="8142634" cy="1915171"/>
           </a:xfrm>
           <a:prstGeom prst="rect">
             <a:avLst/>
@@ -6934,8 +6934,8 @@
         </p:blipFill>
         <p:spPr>
           <a:xfrm>
-            <a:off x="-2" y="-1982"/>
-            <a:ext cx="9144002" cy="6861963"/>
+            <a:off x="-3" y="-1982"/>
+            <a:ext cx="9144004" cy="6861964"/>
           </a:xfrm>
           <a:prstGeom prst="rect">
             <a:avLst/>
@@ -6954,7 +6954,7 @@
         <p:spPr>
           <a:xfrm>
             <a:off x="89799" y="1168099"/>
-            <a:ext cx="8142635" cy="2506949"/>
+            <a:ext cx="8142635" cy="2506947"/>
           </a:xfrm>
           <a:prstGeom prst="rect">
             <a:avLst/>
@@ -6969,7 +6969,7 @@
           </a:extLst>
         </p:spPr>
         <p:txBody>
-          <a:bodyPr lIns="91423" tIns="91423" rIns="91423" bIns="91423">
+          <a:bodyPr lIns="91422" tIns="91422" rIns="91422" bIns="91422">
             <a:spAutoFit/>
           </a:bodyPr>
           <a:lstStyle/>
@@ -7084,7 +7084,7 @@
         <p:spPr>
           <a:xfrm>
             <a:off x="860331" y="3832083"/>
-            <a:ext cx="7423339" cy="2397918"/>
+            <a:ext cx="7423340" cy="2397919"/>
           </a:xfrm>
           <a:prstGeom prst="rect">
             <a:avLst/>
@@ -7138,8 +7138,8 @@
         </p:blipFill>
         <p:spPr>
           <a:xfrm>
-            <a:off x="-2" y="-1982"/>
-            <a:ext cx="9144002" cy="6861963"/>
+            <a:off x="-3" y="-1982"/>
+            <a:ext cx="9144004" cy="6861964"/>
           </a:xfrm>
           <a:prstGeom prst="rect">
             <a:avLst/>
@@ -7158,7 +7158,7 @@
         <p:spPr>
           <a:xfrm>
             <a:off x="89799" y="1168099"/>
-            <a:ext cx="8142635" cy="2506949"/>
+            <a:ext cx="8142635" cy="2506947"/>
           </a:xfrm>
           <a:prstGeom prst="rect">
             <a:avLst/>
@@ -7173,7 +7173,7 @@
           </a:extLst>
         </p:spPr>
         <p:txBody>
-          <a:bodyPr lIns="91423" tIns="91423" rIns="91423" bIns="91423">
+          <a:bodyPr lIns="91422" tIns="91422" rIns="91422" bIns="91422">
             <a:spAutoFit/>
           </a:bodyPr>
           <a:lstStyle/>
@@ -7288,7 +7288,7 @@
         <p:spPr>
           <a:xfrm>
             <a:off x="860331" y="3832083"/>
-            <a:ext cx="7423339" cy="2397918"/>
+            <a:ext cx="7423340" cy="2397919"/>
           </a:xfrm>
           <a:prstGeom prst="rect">
             <a:avLst/>
@@ -7387,8 +7387,8 @@
         </p:nvSpPr>
         <p:spPr>
           <a:xfrm>
-            <a:off x="1371598" y="3886200"/>
-            <a:ext cx="6400803" cy="1752600"/>
+            <a:off x="1371597" y="3886200"/>
+            <a:ext cx="6400805" cy="1752600"/>
           </a:xfrm>
           <a:prstGeom prst="rect">
             <a:avLst/>
@@ -7425,7 +7425,7 @@
         <p:spPr>
           <a:xfrm>
             <a:off x="-12710" y="0"/>
-            <a:ext cx="9193224" cy="6858000"/>
+            <a:ext cx="9193225" cy="6858000"/>
           </a:xfrm>
           <a:prstGeom prst="rect">
             <a:avLst/>
@@ -7444,7 +7444,7 @@
         <p:spPr>
           <a:xfrm>
             <a:off x="1742600" y="2594549"/>
-            <a:ext cx="5682601" cy="2011647"/>
+            <a:ext cx="5682601" cy="2011645"/>
           </a:xfrm>
           <a:prstGeom prst="rect">
             <a:avLst/>
@@ -7459,7 +7459,7 @@
           </a:extLst>
         </p:spPr>
         <p:txBody>
-          <a:bodyPr lIns="91422" tIns="91422" rIns="91422" bIns="91422">
+          <a:bodyPr lIns="91421" tIns="91421" rIns="91421" bIns="91421">
             <a:spAutoFit/>
           </a:bodyPr>
           <a:lstStyle>
@@ -7528,7 +7528,7 @@
         <p:spPr>
           <a:xfrm>
             <a:off x="-1902" y="-3963"/>
-            <a:ext cx="9144001" cy="6861964"/>
+            <a:ext cx="9144001" cy="6861965"/>
           </a:xfrm>
           <a:prstGeom prst="rect">
             <a:avLst/>
@@ -7547,7 +7547,7 @@
         <p:spPr>
           <a:xfrm>
             <a:off x="293924" y="1168100"/>
-            <a:ext cx="6703801" cy="538449"/>
+            <a:ext cx="6703801" cy="538447"/>
           </a:xfrm>
           <a:prstGeom prst="rect">
             <a:avLst/>
@@ -7562,7 +7562,7 @@
           </a:extLst>
         </p:spPr>
         <p:txBody>
-          <a:bodyPr lIns="91423" tIns="91423" rIns="91423" bIns="91423">
+          <a:bodyPr lIns="91422" tIns="91422" rIns="91422" bIns="91422">
             <a:spAutoFit/>
           </a:bodyPr>
           <a:lstStyle>
@@ -7591,8 +7591,8 @@
         </p:nvSpPr>
         <p:spPr>
           <a:xfrm>
-            <a:off x="293924" y="1849398"/>
-            <a:ext cx="5130903" cy="3688049"/>
+            <a:off x="293923" y="1849398"/>
+            <a:ext cx="5130905" cy="3688047"/>
           </a:xfrm>
           <a:prstGeom prst="rect">
             <a:avLst/>
@@ -7607,7 +7607,7 @@
           </a:extLst>
         </p:spPr>
         <p:txBody>
-          <a:bodyPr lIns="91423" tIns="91423" rIns="91423" bIns="91423">
+          <a:bodyPr lIns="91422" tIns="91422" rIns="91422" bIns="91422">
             <a:spAutoFit/>
           </a:bodyPr>
           <a:lstStyle/>
@@ -7696,7 +7696,7 @@
         <p:spPr>
           <a:xfrm>
             <a:off x="5637024" y="1492926"/>
-            <a:ext cx="3176461" cy="4332576"/>
+            <a:ext cx="3176462" cy="4332576"/>
           </a:xfrm>
           <a:prstGeom prst="rect">
             <a:avLst/>
@@ -7751,7 +7751,7 @@
         <p:spPr>
           <a:xfrm>
             <a:off x="-1902" y="-3963"/>
-            <a:ext cx="9144001" cy="6861964"/>
+            <a:ext cx="9144001" cy="6861965"/>
           </a:xfrm>
           <a:prstGeom prst="rect">
             <a:avLst/>
@@ -7769,8 +7769,8 @@
         </p:nvSpPr>
         <p:spPr>
           <a:xfrm>
-            <a:off x="293923" y="1168098"/>
-            <a:ext cx="7648200" cy="2659349"/>
+            <a:off x="293923" y="1168097"/>
+            <a:ext cx="7648200" cy="2659347"/>
           </a:xfrm>
           <a:prstGeom prst="rect">
             <a:avLst/>
@@ -7785,7 +7785,7 @@
           </a:extLst>
         </p:spPr>
         <p:txBody>
-          <a:bodyPr lIns="91423" tIns="91423" rIns="91423" bIns="91423">
+          <a:bodyPr lIns="91422" tIns="91422" rIns="91422" bIns="91422">
             <a:spAutoFit/>
           </a:bodyPr>
           <a:lstStyle/>
@@ -7929,7 +7929,7 @@
         <p:spPr>
           <a:xfrm>
             <a:off x="6382875" y="3784043"/>
-            <a:ext cx="2349924" cy="2349924"/>
+            <a:ext cx="2349925" cy="2349925"/>
           </a:xfrm>
           <a:prstGeom prst="rect">
             <a:avLst/>
@@ -7984,7 +7984,7 @@
         <p:spPr>
           <a:xfrm>
             <a:off x="-1902" y="-3963"/>
-            <a:ext cx="9144001" cy="6861964"/>
+            <a:ext cx="9144001" cy="6861965"/>
           </a:xfrm>
           <a:prstGeom prst="rect">
             <a:avLst/>
@@ -8002,8 +8002,8 @@
         </p:nvSpPr>
         <p:spPr>
           <a:xfrm>
-            <a:off x="89799" y="1168099"/>
-            <a:ext cx="7666202" cy="3827749"/>
+            <a:off x="89799" y="1168098"/>
+            <a:ext cx="7666202" cy="3827747"/>
           </a:xfrm>
           <a:prstGeom prst="rect">
             <a:avLst/>
@@ -8018,7 +8018,7 @@
           </a:extLst>
         </p:spPr>
         <p:txBody>
-          <a:bodyPr lIns="91423" tIns="91423" rIns="91423" bIns="91423">
+          <a:bodyPr lIns="91422" tIns="91422" rIns="91422" bIns="91422">
             <a:spAutoFit/>
           </a:bodyPr>
           <a:lstStyle/>
@@ -8207,7 +8207,7 @@
         <p:spPr>
           <a:xfrm>
             <a:off x="-1902" y="-3963"/>
-            <a:ext cx="9144001" cy="6861964"/>
+            <a:ext cx="9144001" cy="6861965"/>
           </a:xfrm>
           <a:prstGeom prst="rect">
             <a:avLst/>
@@ -8226,7 +8226,7 @@
         <p:spPr>
           <a:xfrm>
             <a:off x="26299" y="864298"/>
-            <a:ext cx="7666202" cy="894049"/>
+            <a:ext cx="7666202" cy="538447"/>
           </a:xfrm>
           <a:prstGeom prst="rect">
             <a:avLst/>
@@ -8241,7 +8241,7 @@
           </a:extLst>
         </p:spPr>
         <p:txBody>
-          <a:bodyPr lIns="91423" tIns="91423" rIns="91423" bIns="91423">
+          <a:bodyPr lIns="91422" tIns="91422" rIns="91422" bIns="91422">
             <a:spAutoFit/>
           </a:bodyPr>
           <a:lstStyle>
@@ -8270,7 +8270,7 @@
         </p:nvGraphicFramePr>
         <p:xfrm>
           <a:off x="1620702" y="897645"/>
-          <a:ext cx="7239001" cy="6187038"/>
+          <a:ext cx="7239001" cy="5712088"/>
         </p:xfrm>
         <a:graphic xmlns:a="http://schemas.openxmlformats.org/drawingml/2006/main">
           <a:graphicData uri="http://schemas.openxmlformats.org/drawingml/2006/table">
@@ -8859,7 +8859,7 @@
         <p:spPr>
           <a:xfrm>
             <a:off x="-1902" y="-3963"/>
-            <a:ext cx="9144001" cy="6861964"/>
+            <a:ext cx="9144001" cy="6861965"/>
           </a:xfrm>
           <a:prstGeom prst="rect">
             <a:avLst/>
@@ -8877,8 +8877,8 @@
         </p:nvSpPr>
         <p:spPr>
           <a:xfrm>
-            <a:off x="89799" y="1168099"/>
-            <a:ext cx="7666202" cy="3535649"/>
+            <a:off x="89799" y="1168098"/>
+            <a:ext cx="7666202" cy="3535647"/>
           </a:xfrm>
           <a:prstGeom prst="rect">
             <a:avLst/>
@@ -8893,7 +8893,7 @@
           </a:extLst>
         </p:spPr>
         <p:txBody>
-          <a:bodyPr lIns="91423" tIns="91423" rIns="91423" bIns="91423">
+          <a:bodyPr lIns="91422" tIns="91422" rIns="91422" bIns="91422">
             <a:spAutoFit/>
           </a:bodyPr>
           <a:lstStyle/>
@@ -9080,7 +9080,7 @@
         <p:spPr>
           <a:xfrm>
             <a:off x="-1902" y="-3963"/>
-            <a:ext cx="9144001" cy="6861964"/>
+            <a:ext cx="9144001" cy="6861965"/>
           </a:xfrm>
           <a:prstGeom prst="rect">
             <a:avLst/>
@@ -9098,8 +9098,8 @@
         </p:nvSpPr>
         <p:spPr>
           <a:xfrm>
-            <a:off x="89799" y="1168099"/>
-            <a:ext cx="7666202" cy="894049"/>
+            <a:off x="89799" y="1168098"/>
+            <a:ext cx="7666202" cy="538447"/>
           </a:xfrm>
           <a:prstGeom prst="rect">
             <a:avLst/>
@@ -9114,7 +9114,7 @@
           </a:extLst>
         </p:spPr>
         <p:txBody>
-          <a:bodyPr lIns="91423" tIns="91423" rIns="91423" bIns="91423">
+          <a:bodyPr lIns="91422" tIns="91422" rIns="91422" bIns="91422">
             <a:spAutoFit/>
           </a:bodyPr>
           <a:lstStyle>
@@ -9153,8 +9153,8 @@
         </p:blipFill>
         <p:spPr>
           <a:xfrm>
-            <a:off x="1128544" y="2125311"/>
-            <a:ext cx="6886911" cy="3630922"/>
+            <a:off x="1128544" y="2125310"/>
+            <a:ext cx="6886911" cy="3630924"/>
           </a:xfrm>
           <a:prstGeom prst="rect">
             <a:avLst/>
@@ -9209,7 +9209,7 @@
         <p:spPr>
           <a:xfrm>
             <a:off x="-1902" y="-3963"/>
-            <a:ext cx="9144001" cy="6861964"/>
+            <a:ext cx="9144001" cy="6861965"/>
           </a:xfrm>
           <a:prstGeom prst="rect">
             <a:avLst/>
@@ -9228,7 +9228,7 @@
         <p:spPr>
           <a:xfrm>
             <a:off x="89799" y="1168099"/>
-            <a:ext cx="7666202" cy="3553434"/>
+            <a:ext cx="7666202" cy="3553431"/>
           </a:xfrm>
           <a:prstGeom prst="rect">
             <a:avLst/>
@@ -9243,7 +9243,7 @@
           </a:extLst>
         </p:spPr>
         <p:txBody>
-          <a:bodyPr lIns="91423" tIns="91423" rIns="91423" bIns="91423">
+          <a:bodyPr lIns="91422" tIns="91422" rIns="91422" bIns="91422">
             <a:spAutoFit/>
           </a:bodyPr>
           <a:lstStyle/>
@@ -9663,10 +9663,10 @@
             </a:solidFill>
             <a:effectLst/>
             <a:uFillTx/>
-            <a:latin typeface="+mj-lt"/>
-            <a:ea typeface="+mj-ea"/>
-            <a:cs typeface="+mj-cs"/>
-            <a:sym typeface="Helvetica"/>
+            <a:latin typeface="+mn-lt"/>
+            <a:ea typeface="+mn-ea"/>
+            <a:cs typeface="+mn-cs"/>
+            <a:sym typeface="Helvetica Neue"/>
           </a:defRPr>
         </a:defPPr>
         <a:lvl1pPr marL="0" marR="0" indent="0" algn="l" defTabSz="914400" rtl="0" fontAlgn="auto" latinLnBrk="1" hangingPunct="0">
@@ -10240,10 +10240,10 @@
             </a:solidFill>
             <a:effectLst/>
             <a:uFillTx/>
-            <a:latin typeface="+mj-lt"/>
-            <a:ea typeface="+mj-ea"/>
-            <a:cs typeface="+mj-cs"/>
-            <a:sym typeface="Helvetica"/>
+            <a:latin typeface="+mn-lt"/>
+            <a:ea typeface="+mn-ea"/>
+            <a:cs typeface="+mn-cs"/>
+            <a:sym typeface="Helvetica Neue"/>
           </a:defRPr>
         </a:defPPr>
         <a:lvl1pPr marL="0" marR="0" indent="0" algn="l" defTabSz="914400" rtl="0" fontAlgn="auto" latinLnBrk="1" hangingPunct="0">
@@ -10747,10 +10747,10 @@
             </a:solidFill>
             <a:effectLst/>
             <a:uFillTx/>
-            <a:latin typeface="+mj-lt"/>
-            <a:ea typeface="+mj-ea"/>
-            <a:cs typeface="+mj-cs"/>
-            <a:sym typeface="Helvetica"/>
+            <a:latin typeface="+mn-lt"/>
+            <a:ea typeface="+mn-ea"/>
+            <a:cs typeface="+mn-cs"/>
+            <a:sym typeface="Helvetica Neue"/>
           </a:defRPr>
         </a:defPPr>
         <a:lvl1pPr marL="0" marR="0" indent="0" algn="l" defTabSz="914400" rtl="0" fontAlgn="auto" latinLnBrk="1" hangingPunct="0">
@@ -11324,10 +11324,10 @@
             </a:solidFill>
             <a:effectLst/>
             <a:uFillTx/>
-            <a:latin typeface="+mj-lt"/>
-            <a:ea typeface="+mj-ea"/>
-            <a:cs typeface="+mj-cs"/>
-            <a:sym typeface="Helvetica"/>
+            <a:latin typeface="+mn-lt"/>
+            <a:ea typeface="+mn-ea"/>
+            <a:cs typeface="+mn-cs"/>
+            <a:sym typeface="Helvetica Neue"/>
           </a:defRPr>
         </a:defPPr>
         <a:lvl1pPr marL="0" marR="0" indent="0" algn="l" defTabSz="914400" rtl="0" fontAlgn="auto" latinLnBrk="1" hangingPunct="0">
